--- a/Info/TeamPPT_Final3.pptx
+++ b/Info/TeamPPT_Final3.pptx
@@ -176,7 +176,7 @@
           <a:blip r:embed="rId3">
             <a:extLst>
               <a:ext uri="{28A0092B-C50C-407E-A947-70E740481C1C}">
-                <a14:useLocalDpi xmlns="" xmlns:a14="http://schemas.microsoft.com/office/drawing/2010/main" val="0"/>
+                <a14:useLocalDpi xmlns:a14="http://schemas.microsoft.com/office/drawing/2010/main" xmlns="" val="0"/>
               </a:ext>
             </a:extLst>
           </a:blip>
@@ -196,7 +196,7 @@
           <a:noFill/>
           <a:extLst>
             <a:ext uri="{909E8E84-426E-40DD-AFC4-6F175D3DCCD1}">
-              <a14:hiddenFill xmlns="" xmlns:a14="http://schemas.microsoft.com/office/drawing/2010/main">
+              <a14:hiddenFill xmlns:a14="http://schemas.microsoft.com/office/drawing/2010/main" xmlns="">
                 <a:solidFill>
                   <a:srgbClr val="FFFFFF"/>
                 </a:solidFill>
@@ -247,7 +247,7 @@
     </p:spTree>
     <p:extLst>
       <p:ext uri="{BB962C8B-B14F-4D97-AF65-F5344CB8AC3E}">
-        <p14:creationId xmlns="" xmlns:p14="http://schemas.microsoft.com/office/powerpoint/2010/main" val="2032416694"/>
+        <p14:creationId xmlns:p14="http://schemas.microsoft.com/office/powerpoint/2010/main" xmlns="" val="2032416694"/>
       </p:ext>
     </p:extLst>
   </p:cSld>
@@ -460,7 +460,7 @@
     </p:spTree>
     <p:extLst>
       <p:ext uri="{BB962C8B-B14F-4D97-AF65-F5344CB8AC3E}">
-        <p14:creationId xmlns="" xmlns:p14="http://schemas.microsoft.com/office/powerpoint/2010/main" val="2825368943"/>
+        <p14:creationId xmlns:p14="http://schemas.microsoft.com/office/powerpoint/2010/main" xmlns="" val="2825368943"/>
       </p:ext>
     </p:extLst>
   </p:cSld>
@@ -673,7 +673,7 @@
     </p:spTree>
     <p:extLst>
       <p:ext uri="{BB962C8B-B14F-4D97-AF65-F5344CB8AC3E}">
-        <p14:creationId xmlns="" xmlns:p14="http://schemas.microsoft.com/office/powerpoint/2010/main" val="2221001295"/>
+        <p14:creationId xmlns:p14="http://schemas.microsoft.com/office/powerpoint/2010/main" xmlns="" val="2221001295"/>
       </p:ext>
     </p:extLst>
   </p:cSld>
@@ -948,7 +948,7 @@
     </p:spTree>
     <p:extLst>
       <p:ext uri="{BB962C8B-B14F-4D97-AF65-F5344CB8AC3E}">
-        <p14:creationId xmlns="" xmlns:p14="http://schemas.microsoft.com/office/powerpoint/2010/main" val="1125379394"/>
+        <p14:creationId xmlns:p14="http://schemas.microsoft.com/office/powerpoint/2010/main" xmlns="" val="1125379394"/>
       </p:ext>
     </p:extLst>
   </p:cSld>
@@ -1048,7 +1048,7 @@
     </p:spTree>
     <p:extLst>
       <p:ext uri="{BB962C8B-B14F-4D97-AF65-F5344CB8AC3E}">
-        <p14:creationId xmlns="" xmlns:p14="http://schemas.microsoft.com/office/powerpoint/2010/main" val="3694015714"/>
+        <p14:creationId xmlns:p14="http://schemas.microsoft.com/office/powerpoint/2010/main" xmlns="" val="3694015714"/>
       </p:ext>
     </p:extLst>
   </p:cSld>
@@ -1327,7 +1327,7 @@
     </p:spTree>
     <p:extLst>
       <p:ext uri="{BB962C8B-B14F-4D97-AF65-F5344CB8AC3E}">
-        <p14:creationId xmlns="" xmlns:p14="http://schemas.microsoft.com/office/powerpoint/2010/main" val="1819799790"/>
+        <p14:creationId xmlns:p14="http://schemas.microsoft.com/office/powerpoint/2010/main" xmlns="" val="1819799790"/>
       </p:ext>
     </p:extLst>
   </p:cSld>
@@ -1656,7 +1656,7 @@
     </p:spTree>
     <p:extLst>
       <p:ext uri="{BB962C8B-B14F-4D97-AF65-F5344CB8AC3E}">
-        <p14:creationId xmlns="" xmlns:p14="http://schemas.microsoft.com/office/powerpoint/2010/main" val="1845900609"/>
+        <p14:creationId xmlns:p14="http://schemas.microsoft.com/office/powerpoint/2010/main" xmlns="" val="1845900609"/>
       </p:ext>
     </p:extLst>
   </p:cSld>
@@ -2125,7 +2125,7 @@
     </p:spTree>
     <p:extLst>
       <p:ext uri="{BB962C8B-B14F-4D97-AF65-F5344CB8AC3E}">
-        <p14:creationId xmlns="" xmlns:p14="http://schemas.microsoft.com/office/powerpoint/2010/main" val="1834140844"/>
+        <p14:creationId xmlns:p14="http://schemas.microsoft.com/office/powerpoint/2010/main" xmlns="" val="1834140844"/>
       </p:ext>
     </p:extLst>
   </p:cSld>
@@ -2278,7 +2278,7 @@
     </p:spTree>
     <p:extLst>
       <p:ext uri="{BB962C8B-B14F-4D97-AF65-F5344CB8AC3E}">
-        <p14:creationId xmlns="" xmlns:p14="http://schemas.microsoft.com/office/powerpoint/2010/main" val="3978738694"/>
+        <p14:creationId xmlns:p14="http://schemas.microsoft.com/office/powerpoint/2010/main" xmlns="" val="3978738694"/>
       </p:ext>
     </p:extLst>
   </p:cSld>
@@ -2400,7 +2400,7 @@
     </p:spTree>
     <p:extLst>
       <p:ext uri="{BB962C8B-B14F-4D97-AF65-F5344CB8AC3E}">
-        <p14:creationId xmlns="" xmlns:p14="http://schemas.microsoft.com/office/powerpoint/2010/main" val="3760371323"/>
+        <p14:creationId xmlns:p14="http://schemas.microsoft.com/office/powerpoint/2010/main" xmlns="" val="3760371323"/>
       </p:ext>
     </p:extLst>
   </p:cSld>
@@ -2713,7 +2713,7 @@
     </p:spTree>
     <p:extLst>
       <p:ext uri="{BB962C8B-B14F-4D97-AF65-F5344CB8AC3E}">
-        <p14:creationId xmlns="" xmlns:p14="http://schemas.microsoft.com/office/powerpoint/2010/main" val="2046782160"/>
+        <p14:creationId xmlns:p14="http://schemas.microsoft.com/office/powerpoint/2010/main" xmlns="" val="2046782160"/>
       </p:ext>
     </p:extLst>
   </p:cSld>
@@ -3002,7 +3002,7 @@
     </p:spTree>
     <p:extLst>
       <p:ext uri="{BB962C8B-B14F-4D97-AF65-F5344CB8AC3E}">
-        <p14:creationId xmlns="" xmlns:p14="http://schemas.microsoft.com/office/powerpoint/2010/main" val="2028806487"/>
+        <p14:creationId xmlns:p14="http://schemas.microsoft.com/office/powerpoint/2010/main" xmlns="" val="2028806487"/>
       </p:ext>
     </p:extLst>
   </p:cSld>
@@ -3047,7 +3047,7 @@
     </p:spTree>
     <p:extLst>
       <p:ext uri="{BB962C8B-B14F-4D97-AF65-F5344CB8AC3E}">
-        <p14:creationId xmlns="" xmlns:p14="http://schemas.microsoft.com/office/powerpoint/2010/main" val="437338208"/>
+        <p14:creationId xmlns:p14="http://schemas.microsoft.com/office/powerpoint/2010/main" xmlns="" val="437338208"/>
       </p:ext>
     </p:extLst>
   </p:cSld>
@@ -3419,7 +3419,7 @@
     </p:spTree>
     <p:extLst>
       <p:ext uri="{BB962C8B-B14F-4D97-AF65-F5344CB8AC3E}">
-        <p14:creationId xmlns="" xmlns:p14="http://schemas.microsoft.com/office/powerpoint/2010/main" val="1941221791"/>
+        <p14:creationId xmlns:p14="http://schemas.microsoft.com/office/powerpoint/2010/main" xmlns="" val="1941221791"/>
       </p:ext>
     </p:extLst>
   </p:cSld>
@@ -3587,7 +3587,7 @@
     </p:spTree>
     <p:extLst>
       <p:ext uri="{BB962C8B-B14F-4D97-AF65-F5344CB8AC3E}">
-        <p14:creationId xmlns="" xmlns:p14="http://schemas.microsoft.com/office/powerpoint/2010/main" val="891763176"/>
+        <p14:creationId xmlns:p14="http://schemas.microsoft.com/office/powerpoint/2010/main" xmlns="" val="891763176"/>
       </p:ext>
     </p:extLst>
   </p:cSld>
@@ -3798,7 +3798,7 @@
     </p:spTree>
     <p:extLst>
       <p:ext uri="{BB962C8B-B14F-4D97-AF65-F5344CB8AC3E}">
-        <p14:creationId xmlns="" xmlns:p14="http://schemas.microsoft.com/office/powerpoint/2010/main" val="891763176"/>
+        <p14:creationId xmlns:p14="http://schemas.microsoft.com/office/powerpoint/2010/main" xmlns="" val="891763176"/>
       </p:ext>
     </p:extLst>
   </p:cSld>
@@ -4244,7 +4244,7 @@
     </p:spTree>
     <p:extLst>
       <p:ext uri="{BB962C8B-B14F-4D97-AF65-F5344CB8AC3E}">
-        <p14:creationId xmlns="" xmlns:p14="http://schemas.microsoft.com/office/powerpoint/2010/main" val="891763176"/>
+        <p14:creationId xmlns:p14="http://schemas.microsoft.com/office/powerpoint/2010/main" xmlns="" val="891763176"/>
       </p:ext>
     </p:extLst>
   </p:cSld>
@@ -4428,7 +4428,7 @@
     </p:spTree>
     <p:extLst>
       <p:ext uri="{BB962C8B-B14F-4D97-AF65-F5344CB8AC3E}">
-        <p14:creationId xmlns="" xmlns:p14="http://schemas.microsoft.com/office/powerpoint/2010/main" val="891763176"/>
+        <p14:creationId xmlns:p14="http://schemas.microsoft.com/office/powerpoint/2010/main" xmlns="" val="891763176"/>
       </p:ext>
     </p:extLst>
   </p:cSld>
@@ -4569,7 +4569,7 @@
     </p:spTree>
     <p:extLst>
       <p:ext uri="{BB962C8B-B14F-4D97-AF65-F5344CB8AC3E}">
-        <p14:creationId xmlns="" xmlns:p14="http://schemas.microsoft.com/office/powerpoint/2010/main" val="891763176"/>
+        <p14:creationId xmlns:p14="http://schemas.microsoft.com/office/powerpoint/2010/main" xmlns="" val="891763176"/>
       </p:ext>
     </p:extLst>
   </p:cSld>
@@ -4798,7 +4798,7 @@
     </p:spTree>
     <p:extLst>
       <p:ext uri="{BB962C8B-B14F-4D97-AF65-F5344CB8AC3E}">
-        <p14:creationId xmlns="" xmlns:p14="http://schemas.microsoft.com/office/powerpoint/2010/main" val="2814019064"/>
+        <p14:creationId xmlns:p14="http://schemas.microsoft.com/office/powerpoint/2010/main" xmlns="" val="2814019064"/>
       </p:ext>
     </p:extLst>
   </p:cSld>
@@ -5074,7 +5074,7 @@
     </p:spTree>
     <p:extLst>
       <p:ext uri="{BB962C8B-B14F-4D97-AF65-F5344CB8AC3E}">
-        <p14:creationId xmlns="" xmlns:p14="http://schemas.microsoft.com/office/powerpoint/2010/main" val="891763176"/>
+        <p14:creationId xmlns:p14="http://schemas.microsoft.com/office/powerpoint/2010/main" xmlns="" val="891763176"/>
       </p:ext>
     </p:extLst>
   </p:cSld>
@@ -5168,7 +5168,7 @@
           <a:blip r:embed="rId2">
             <a:extLst>
               <a:ext uri="{28A0092B-C50C-407E-A947-70E740481C1C}">
-                <a14:useLocalDpi xmlns="" xmlns:a14="http://schemas.microsoft.com/office/drawing/2010/main" val="0"/>
+                <a14:useLocalDpi xmlns:a14="http://schemas.microsoft.com/office/drawing/2010/main" xmlns="" val="0"/>
               </a:ext>
             </a:extLst>
           </a:blip>
@@ -5190,14 +5190,14 @@
           <a:effectLst/>
           <a:extLst>
             <a:ext uri="{909E8E84-426E-40DD-AFC4-6F175D3DCCD1}">
-              <a14:hiddenFill xmlns="" xmlns:a14="http://schemas.microsoft.com/office/drawing/2010/main">
+              <a14:hiddenFill xmlns:a14="http://schemas.microsoft.com/office/drawing/2010/main" xmlns="">
                 <a:solidFill>
                   <a:schemeClr val="accent1"/>
                 </a:solidFill>
               </a14:hiddenFill>
             </a:ext>
             <a:ext uri="{91240B29-F687-4F45-9708-019B960494DF}">
-              <a14:hiddenLine xmlns="" xmlns:a14="http://schemas.microsoft.com/office/drawing/2010/main" w="9525">
+              <a14:hiddenLine xmlns:a14="http://schemas.microsoft.com/office/drawing/2010/main" xmlns="" w="9525">
                 <a:solidFill>
                   <a:schemeClr val="tx1"/>
                 </a:solidFill>
@@ -5207,7 +5207,7 @@
               </a14:hiddenLine>
             </a:ext>
             <a:ext uri="{AF507438-7753-43E0-B8FC-AC1667EBCBE1}">
-              <a14:hiddenEffects xmlns="" xmlns:a14="http://schemas.microsoft.com/office/drawing/2010/main">
+              <a14:hiddenEffects xmlns:a14="http://schemas.microsoft.com/office/drawing/2010/main" xmlns="">
                 <a:effectLst>
                   <a:outerShdw dist="35921" dir="2700000" algn="ctr" rotWithShape="0">
                     <a:schemeClr val="bg2"/>
@@ -5285,7 +5285,7 @@
     </p:spTree>
     <p:extLst>
       <p:ext uri="{BB962C8B-B14F-4D97-AF65-F5344CB8AC3E}">
-        <p14:creationId xmlns="" xmlns:p14="http://schemas.microsoft.com/office/powerpoint/2010/main" val="891763176"/>
+        <p14:creationId xmlns:p14="http://schemas.microsoft.com/office/powerpoint/2010/main" xmlns="" val="891763176"/>
       </p:ext>
     </p:extLst>
   </p:cSld>
@@ -5380,7 +5380,7 @@
           <a:blip r:embed="rId2">
             <a:extLst>
               <a:ext uri="{28A0092B-C50C-407E-A947-70E740481C1C}">
-                <a14:useLocalDpi xmlns="" xmlns:a14="http://schemas.microsoft.com/office/drawing/2010/main" val="0"/>
+                <a14:useLocalDpi xmlns:a14="http://schemas.microsoft.com/office/drawing/2010/main" xmlns="" val="0"/>
               </a:ext>
             </a:extLst>
           </a:blip>
@@ -5413,14 +5413,14 @@
           </a:effectLst>
           <a:extLst>
             <a:ext uri="{909E8E84-426E-40DD-AFC4-6F175D3DCCD1}">
-              <a14:hiddenFill xmlns="" xmlns:a14="http://schemas.microsoft.com/office/drawing/2010/main">
+              <a14:hiddenFill xmlns:a14="http://schemas.microsoft.com/office/drawing/2010/main" xmlns="">
                 <a:solidFill>
                   <a:schemeClr val="accent1"/>
                 </a:solidFill>
               </a14:hiddenFill>
             </a:ext>
             <a:ext uri="{91240B29-F687-4F45-9708-019B960494DF}">
-              <a14:hiddenLine xmlns="" xmlns:a14="http://schemas.microsoft.com/office/drawing/2010/main" w="9525">
+              <a14:hiddenLine xmlns:a14="http://schemas.microsoft.com/office/drawing/2010/main" xmlns="" w="9525">
                 <a:solidFill>
                   <a:schemeClr val="tx1"/>
                 </a:solidFill>
@@ -5430,7 +5430,7 @@
               </a14:hiddenLine>
             </a:ext>
             <a:ext uri="{AF507438-7753-43E0-B8FC-AC1667EBCBE1}">
-              <a14:hiddenEffects xmlns="" xmlns:a14="http://schemas.microsoft.com/office/drawing/2010/main">
+              <a14:hiddenEffects xmlns:a14="http://schemas.microsoft.com/office/drawing/2010/main" xmlns="">
                 <a:effectLst>
                   <a:outerShdw dist="35921" dir="2700000" algn="ctr" rotWithShape="0">
                     <a:schemeClr val="bg2"/>
@@ -5453,7 +5453,7 @@
           <a:blip r:embed="rId3">
             <a:extLst>
               <a:ext uri="{28A0092B-C50C-407E-A947-70E740481C1C}">
-                <a14:useLocalDpi xmlns="" xmlns:a14="http://schemas.microsoft.com/office/drawing/2010/main" val="0"/>
+                <a14:useLocalDpi xmlns:a14="http://schemas.microsoft.com/office/drawing/2010/main" xmlns="" val="0"/>
               </a:ext>
             </a:extLst>
           </a:blip>
@@ -5486,14 +5486,14 @@
           </a:effectLst>
           <a:extLst>
             <a:ext uri="{909E8E84-426E-40DD-AFC4-6F175D3DCCD1}">
-              <a14:hiddenFill xmlns="" xmlns:a14="http://schemas.microsoft.com/office/drawing/2010/main">
+              <a14:hiddenFill xmlns:a14="http://schemas.microsoft.com/office/drawing/2010/main" xmlns="">
                 <a:solidFill>
                   <a:schemeClr val="accent1"/>
                 </a:solidFill>
               </a14:hiddenFill>
             </a:ext>
             <a:ext uri="{91240B29-F687-4F45-9708-019B960494DF}">
-              <a14:hiddenLine xmlns="" xmlns:a14="http://schemas.microsoft.com/office/drawing/2010/main" w="9525">
+              <a14:hiddenLine xmlns:a14="http://schemas.microsoft.com/office/drawing/2010/main" xmlns="" w="9525">
                 <a:solidFill>
                   <a:schemeClr val="tx1"/>
                 </a:solidFill>
@@ -5503,7 +5503,7 @@
               </a14:hiddenLine>
             </a:ext>
             <a:ext uri="{AF507438-7753-43E0-B8FC-AC1667EBCBE1}">
-              <a14:hiddenEffects xmlns="" xmlns:a14="http://schemas.microsoft.com/office/drawing/2010/main">
+              <a14:hiddenEffects xmlns:a14="http://schemas.microsoft.com/office/drawing/2010/main" xmlns="">
                 <a:effectLst>
                   <a:outerShdw dist="35921" dir="2700000" algn="ctr" rotWithShape="0">
                     <a:schemeClr val="bg2"/>
@@ -5526,7 +5526,7 @@
           <a:blip r:embed="rId4">
             <a:extLst>
               <a:ext uri="{28A0092B-C50C-407E-A947-70E740481C1C}">
-                <a14:useLocalDpi xmlns="" xmlns:a14="http://schemas.microsoft.com/office/drawing/2010/main" val="0"/>
+                <a14:useLocalDpi xmlns:a14="http://schemas.microsoft.com/office/drawing/2010/main" xmlns="" val="0"/>
               </a:ext>
             </a:extLst>
           </a:blip>
@@ -5559,14 +5559,14 @@
           </a:effectLst>
           <a:extLst>
             <a:ext uri="{909E8E84-426E-40DD-AFC4-6F175D3DCCD1}">
-              <a14:hiddenFill xmlns="" xmlns:a14="http://schemas.microsoft.com/office/drawing/2010/main">
+              <a14:hiddenFill xmlns:a14="http://schemas.microsoft.com/office/drawing/2010/main" xmlns="">
                 <a:solidFill>
                   <a:schemeClr val="accent1"/>
                 </a:solidFill>
               </a14:hiddenFill>
             </a:ext>
             <a:ext uri="{91240B29-F687-4F45-9708-019B960494DF}">
-              <a14:hiddenLine xmlns="" xmlns:a14="http://schemas.microsoft.com/office/drawing/2010/main" w="9525">
+              <a14:hiddenLine xmlns:a14="http://schemas.microsoft.com/office/drawing/2010/main" xmlns="" w="9525">
                 <a:solidFill>
                   <a:schemeClr val="tx1"/>
                 </a:solidFill>
@@ -5576,7 +5576,7 @@
               </a14:hiddenLine>
             </a:ext>
             <a:ext uri="{AF507438-7753-43E0-B8FC-AC1667EBCBE1}">
-              <a14:hiddenEffects xmlns="" xmlns:a14="http://schemas.microsoft.com/office/drawing/2010/main">
+              <a14:hiddenEffects xmlns:a14="http://schemas.microsoft.com/office/drawing/2010/main" xmlns="">
                 <a:effectLst>
                   <a:outerShdw dist="35921" dir="2700000" algn="ctr" rotWithShape="0">
                     <a:schemeClr val="bg2"/>
@@ -5590,7 +5590,7 @@
     </p:spTree>
     <p:extLst>
       <p:ext uri="{BB962C8B-B14F-4D97-AF65-F5344CB8AC3E}">
-        <p14:creationId xmlns="" xmlns:p14="http://schemas.microsoft.com/office/powerpoint/2010/main" val="891763176"/>
+        <p14:creationId xmlns:p14="http://schemas.microsoft.com/office/powerpoint/2010/main" xmlns="" val="891763176"/>
       </p:ext>
     </p:extLst>
   </p:cSld>
@@ -6471,7 +6471,7 @@
     </p:spTree>
     <p:extLst>
       <p:ext uri="{BB962C8B-B14F-4D97-AF65-F5344CB8AC3E}">
-        <p14:creationId xmlns="" xmlns:p14="http://schemas.microsoft.com/office/powerpoint/2010/main" val="891763176"/>
+        <p14:creationId xmlns:p14="http://schemas.microsoft.com/office/powerpoint/2010/main" xmlns="" val="891763176"/>
       </p:ext>
     </p:extLst>
   </p:cSld>
@@ -6577,7 +6577,7 @@
     </p:spTree>
     <p:extLst>
       <p:ext uri="{BB962C8B-B14F-4D97-AF65-F5344CB8AC3E}">
-        <p14:creationId xmlns="" xmlns:p14="http://schemas.microsoft.com/office/powerpoint/2010/main" val="891763176"/>
+        <p14:creationId xmlns:p14="http://schemas.microsoft.com/office/powerpoint/2010/main" xmlns="" val="891763176"/>
       </p:ext>
     </p:extLst>
   </p:cSld>
@@ -8022,7 +8022,7 @@
         </p:spPr>
         <p:txBody>
           <a:bodyPr>
-            <a:normAutofit fontScale="92500" lnSpcReduction="20000"/>
+            <a:normAutofit fontScale="85000" lnSpcReduction="20000"/>
           </a:bodyPr>
           <a:lstStyle/>
           <a:p>
@@ -8182,8 +8182,27 @@
                 <a:latin typeface="Calibri" pitchFamily="34" charset="0"/>
                 <a:cs typeface="Calibri" pitchFamily="34" charset="0"/>
               </a:rPr>
-              <a:t>Windows 7</a:t>
-            </a:r>
+              <a:t>Windows </a:t>
+            </a:r>
+            <a:r>
+              <a:rPr lang="en-US" altLang="ko-KR" sz="2700" dirty="0" smtClean="0">
+                <a:solidFill>
+                  <a:schemeClr val="tx1">
+                    <a:lumMod val="50000"/>
+                    <a:lumOff val="50000"/>
+                  </a:schemeClr>
+                </a:solidFill>
+                <a:latin typeface="Calibri" pitchFamily="34" charset="0"/>
+                <a:cs typeface="Calibri" pitchFamily="34" charset="0"/>
+              </a:rPr>
+              <a:t>7</a:t>
+            </a:r>
+          </a:p>
+          <a:p>
+            <a:pPr>
+              <a:buFont typeface="Wingdings" pitchFamily="2" charset="2"/>
+              <a:buChar char="ü"/>
+            </a:pPr>
             <a:endParaRPr lang="en-US" altLang="ko-KR" sz="2700" dirty="0" smtClean="0">
               <a:solidFill>
                 <a:schemeClr val="tx1">
@@ -8209,11 +8228,68 @@
               </a:rPr>
               <a:t>Dev</a:t>
             </a:r>
-            <a:endParaRPr lang="en-US" altLang="ko-KR" sz="4000" dirty="0" smtClean="0">
+          </a:p>
+          <a:p>
+            <a:pPr>
+              <a:buFont typeface="Wingdings" pitchFamily="2" charset="2"/>
+              <a:buChar char="ü"/>
+            </a:pPr>
+            <a:r>
+              <a:rPr lang="en-US" altLang="ko-KR" sz="2500" dirty="0" smtClean="0">
+                <a:solidFill>
+                  <a:schemeClr val="tx1">
+                    <a:lumMod val="50000"/>
+                    <a:lumOff val="50000"/>
+                  </a:schemeClr>
+                </a:solidFill>
+                <a:latin typeface="Calibri" pitchFamily="34" charset="0"/>
+                <a:cs typeface="Calibri" pitchFamily="34" charset="0"/>
+              </a:rPr>
+              <a:t>java 1.8.0_121</a:t>
+            </a:r>
+          </a:p>
+          <a:p>
+            <a:pPr>
+              <a:buFont typeface="Wingdings" pitchFamily="2" charset="2"/>
+              <a:buChar char="ü"/>
+            </a:pPr>
+            <a:r>
+              <a:rPr lang="en-US" altLang="ko-KR" sz="2500" dirty="0" smtClean="0">
+                <a:solidFill>
+                  <a:schemeClr val="tx1">
+                    <a:lumMod val="50000"/>
+                    <a:lumOff val="50000"/>
+                  </a:schemeClr>
+                </a:solidFill>
+                <a:latin typeface="Calibri" pitchFamily="34" charset="0"/>
+                <a:cs typeface="Calibri" pitchFamily="34" charset="0"/>
+              </a:rPr>
+              <a:t>Spring </a:t>
+            </a:r>
+            <a:r>
+              <a:rPr lang="en-US" altLang="ko-KR" sz="2500" dirty="0" smtClean="0">
+                <a:solidFill>
+                  <a:schemeClr val="tx1">
+                    <a:lumMod val="50000"/>
+                    <a:lumOff val="50000"/>
+                  </a:schemeClr>
+                </a:solidFill>
+                <a:latin typeface="Calibri" pitchFamily="34" charset="0"/>
+                <a:cs typeface="Calibri" pitchFamily="34" charset="0"/>
+              </a:rPr>
+              <a:t>1.5.2</a:t>
+            </a:r>
+          </a:p>
+          <a:p>
+            <a:pPr>
+              <a:buFont typeface="Wingdings" pitchFamily="2" charset="2"/>
+              <a:buChar char="ü"/>
+            </a:pPr>
+            <a:endParaRPr lang="en-US" altLang="ko-KR" sz="2500" dirty="0" smtClean="0">
               <a:solidFill>
                 <a:schemeClr val="tx1">
-                  <a:lumMod val="75000"/>
-                  <a:lumOff val="25000"/>
+                  <a:lumMod val="50000"/>
+                  <a:lumOff val="50000"/>
                 </a:schemeClr>
               </a:solidFill>
               <a:latin typeface="Calibri" pitchFamily="34" charset="0"/>
@@ -8221,80 +8297,19 @@
             </a:endParaRPr>
           </a:p>
           <a:p>
-            <a:pPr>
-              <a:buFont typeface="Wingdings" pitchFamily="2" charset="2"/>
-              <a:buChar char="ü"/>
-            </a:pPr>
-            <a:r>
-              <a:rPr lang="en-US" altLang="ko-KR" sz="2500" dirty="0" smtClean="0">
-                <a:solidFill>
-                  <a:schemeClr val="tx1">
-                    <a:lumMod val="50000"/>
-                    <a:lumOff val="50000"/>
+            <a:r>
+              <a:rPr lang="en-US" altLang="ko-KR" sz="4000" dirty="0" smtClean="0">
+                <a:solidFill>
+                  <a:schemeClr val="tx1">
+                    <a:lumMod val="75000"/>
+                    <a:lumOff val="25000"/>
                   </a:schemeClr>
                 </a:solidFill>
                 <a:latin typeface="Calibri" pitchFamily="34" charset="0"/>
                 <a:cs typeface="Calibri" pitchFamily="34" charset="0"/>
               </a:rPr>
-              <a:t>java </a:t>
-            </a:r>
-            <a:r>
-              <a:rPr lang="en-US" altLang="ko-KR" sz="2500" dirty="0" smtClean="0">
-                <a:solidFill>
-                  <a:schemeClr val="tx1">
-                    <a:lumMod val="50000"/>
-                    <a:lumOff val="50000"/>
-                  </a:schemeClr>
-                </a:solidFill>
-                <a:latin typeface="Calibri" pitchFamily="34" charset="0"/>
-                <a:cs typeface="Calibri" pitchFamily="34" charset="0"/>
-              </a:rPr>
-              <a:t>1.8.0_121</a:t>
-            </a:r>
-          </a:p>
-          <a:p>
-            <a:pPr>
-              <a:buFont typeface="Wingdings" pitchFamily="2" charset="2"/>
-              <a:buChar char="ü"/>
-            </a:pPr>
-            <a:r>
-              <a:rPr lang="en-US" altLang="ko-KR" sz="2500" dirty="0" smtClean="0">
-                <a:solidFill>
-                  <a:schemeClr val="tx1">
-                    <a:lumMod val="50000"/>
-                    <a:lumOff val="50000"/>
-                  </a:schemeClr>
-                </a:solidFill>
-                <a:latin typeface="Calibri" pitchFamily="34" charset="0"/>
-                <a:cs typeface="Calibri" pitchFamily="34" charset="0"/>
-              </a:rPr>
-              <a:t>Spring 1.5.2</a:t>
-            </a:r>
-          </a:p>
-          <a:p>
-            <a:r>
-              <a:rPr lang="en-US" altLang="ko-KR" sz="4000" dirty="0" smtClean="0">
-                <a:solidFill>
-                  <a:schemeClr val="tx1">
-                    <a:lumMod val="75000"/>
-                    <a:lumOff val="25000"/>
-                  </a:schemeClr>
-                </a:solidFill>
-                <a:latin typeface="Calibri" pitchFamily="34" charset="0"/>
-                <a:cs typeface="Calibri" pitchFamily="34" charset="0"/>
-              </a:rPr>
               <a:t>Database</a:t>
             </a:r>
-            <a:endParaRPr lang="en-US" altLang="ko-KR" sz="4000" dirty="0" smtClean="0">
-              <a:solidFill>
-                <a:schemeClr val="tx1">
-                  <a:lumMod val="75000"/>
-                  <a:lumOff val="25000"/>
-                </a:schemeClr>
-              </a:solidFill>
-              <a:latin typeface="Calibri" pitchFamily="34" charset="0"/>
-              <a:cs typeface="Calibri" pitchFamily="34" charset="0"/>
-            </a:endParaRPr>
           </a:p>
           <a:p>
             <a:pPr>
@@ -8356,23 +8371,13 @@
               </a:rPr>
               <a:t>Oracle</a:t>
             </a:r>
-            <a:endParaRPr lang="en-US" altLang="ko-KR" sz="2300" dirty="0" smtClean="0">
-              <a:solidFill>
-                <a:schemeClr val="tx1">
-                  <a:lumMod val="50000"/>
-                  <a:lumOff val="50000"/>
-                </a:schemeClr>
-              </a:solidFill>
-              <a:latin typeface="Calibri" pitchFamily="34" charset="0"/>
-              <a:cs typeface="Calibri" pitchFamily="34" charset="0"/>
-            </a:endParaRPr>
           </a:p>
         </p:txBody>
       </p:sp>
     </p:spTree>
     <p:extLst>
       <p:ext uri="{BB962C8B-B14F-4D97-AF65-F5344CB8AC3E}">
-        <p14:creationId xmlns="" xmlns:p14="http://schemas.microsoft.com/office/powerpoint/2010/main" val="891763176"/>
+        <p14:creationId xmlns:p14="http://schemas.microsoft.com/office/powerpoint/2010/main" xmlns="" val="891763176"/>
       </p:ext>
     </p:extLst>
   </p:cSld>
@@ -8407,191 +8412,6 @@
           <a:chExt cx="0" cy="0"/>
         </a:xfrm>
       </p:grpSpPr>
-      <p:cxnSp>
-        <p:nvCxnSpPr>
-          <p:cNvPr id="19" name="직선 연결선 18"/>
-          <p:cNvCxnSpPr/>
-          <p:nvPr/>
-        </p:nvCxnSpPr>
-        <p:spPr>
-          <a:xfrm rot="5400000">
-            <a:off x="2786844" y="2570950"/>
-            <a:ext cx="571504" cy="1588"/>
-          </a:xfrm>
-          <a:prstGeom prst="line">
-            <a:avLst/>
-          </a:prstGeom>
-          <a:ln>
-            <a:solidFill>
-              <a:schemeClr val="accent2">
-                <a:lumMod val="60000"/>
-                <a:lumOff val="40000"/>
-              </a:schemeClr>
-            </a:solidFill>
-          </a:ln>
-        </p:spPr>
-        <p:style>
-          <a:lnRef idx="2">
-            <a:schemeClr val="accent6"/>
-          </a:lnRef>
-          <a:fillRef idx="0">
-            <a:schemeClr val="accent6"/>
-          </a:fillRef>
-          <a:effectRef idx="1">
-            <a:schemeClr val="accent6"/>
-          </a:effectRef>
-          <a:fontRef idx="minor">
-            <a:schemeClr val="tx1"/>
-          </a:fontRef>
-        </p:style>
-      </p:cxnSp>
-      <p:cxnSp>
-        <p:nvCxnSpPr>
-          <p:cNvPr id="17" name="직선 연결선 16"/>
-          <p:cNvCxnSpPr/>
-          <p:nvPr/>
-        </p:nvCxnSpPr>
-        <p:spPr>
-          <a:xfrm>
-            <a:off x="5357818" y="5143512"/>
-            <a:ext cx="428628" cy="1588"/>
-          </a:xfrm>
-          <a:prstGeom prst="line">
-            <a:avLst/>
-          </a:prstGeom>
-          <a:ln>
-            <a:solidFill>
-              <a:schemeClr val="accent3">
-                <a:lumMod val="50000"/>
-              </a:schemeClr>
-            </a:solidFill>
-          </a:ln>
-        </p:spPr>
-        <p:style>
-          <a:lnRef idx="2">
-            <a:schemeClr val="accent6"/>
-          </a:lnRef>
-          <a:fillRef idx="0">
-            <a:schemeClr val="accent6"/>
-          </a:fillRef>
-          <a:effectRef idx="1">
-            <a:schemeClr val="accent6"/>
-          </a:effectRef>
-          <a:fontRef idx="minor">
-            <a:schemeClr val="tx1"/>
-          </a:fontRef>
-        </p:style>
-      </p:cxnSp>
-      <p:cxnSp>
-        <p:nvCxnSpPr>
-          <p:cNvPr id="16" name="직선 연결선 15"/>
-          <p:cNvCxnSpPr/>
-          <p:nvPr/>
-        </p:nvCxnSpPr>
-        <p:spPr>
-          <a:xfrm>
-            <a:off x="4000496" y="5143512"/>
-            <a:ext cx="428628" cy="1588"/>
-          </a:xfrm>
-          <a:prstGeom prst="line">
-            <a:avLst/>
-          </a:prstGeom>
-          <a:ln>
-            <a:solidFill>
-              <a:schemeClr val="accent3">
-                <a:lumMod val="50000"/>
-              </a:schemeClr>
-            </a:solidFill>
-          </a:ln>
-        </p:spPr>
-        <p:style>
-          <a:lnRef idx="2">
-            <a:schemeClr val="accent6"/>
-          </a:lnRef>
-          <a:fillRef idx="0">
-            <a:schemeClr val="accent6"/>
-          </a:fillRef>
-          <a:effectRef idx="1">
-            <a:schemeClr val="accent6"/>
-          </a:effectRef>
-          <a:fontRef idx="minor">
-            <a:schemeClr val="tx1"/>
-          </a:fontRef>
-        </p:style>
-      </p:cxnSp>
-      <p:cxnSp>
-        <p:nvCxnSpPr>
-          <p:cNvPr id="13" name="직선 연결선 12"/>
-          <p:cNvCxnSpPr/>
-          <p:nvPr/>
-        </p:nvCxnSpPr>
-        <p:spPr>
-          <a:xfrm>
-            <a:off x="3643306" y="3357562"/>
-            <a:ext cx="428628" cy="1588"/>
-          </a:xfrm>
-          <a:prstGeom prst="line">
-            <a:avLst/>
-          </a:prstGeom>
-          <a:ln>
-            <a:solidFill>
-              <a:schemeClr val="tx2"/>
-            </a:solidFill>
-          </a:ln>
-        </p:spPr>
-        <p:style>
-          <a:lnRef idx="2">
-            <a:schemeClr val="accent6"/>
-          </a:lnRef>
-          <a:fillRef idx="0">
-            <a:schemeClr val="accent6"/>
-          </a:fillRef>
-          <a:effectRef idx="1">
-            <a:schemeClr val="accent6"/>
-          </a:effectRef>
-          <a:fontRef idx="minor">
-            <a:schemeClr val="tx1"/>
-          </a:fontRef>
-        </p:style>
-      </p:cxnSp>
-      <p:cxnSp>
-        <p:nvCxnSpPr>
-          <p:cNvPr id="11" name="직선 연결선 10"/>
-          <p:cNvCxnSpPr/>
-          <p:nvPr/>
-        </p:nvCxnSpPr>
-        <p:spPr>
-          <a:xfrm rot="5400000">
-            <a:off x="2786844" y="4071148"/>
-            <a:ext cx="571504" cy="1588"/>
-          </a:xfrm>
-          <a:prstGeom prst="line">
-            <a:avLst/>
-          </a:prstGeom>
-          <a:ln>
-            <a:solidFill>
-              <a:schemeClr val="tx2">
-                <a:lumMod val="60000"/>
-                <a:lumOff val="40000"/>
-              </a:schemeClr>
-            </a:solidFill>
-          </a:ln>
-        </p:spPr>
-        <p:style>
-          <a:lnRef idx="2">
-            <a:schemeClr val="accent6"/>
-          </a:lnRef>
-          <a:fillRef idx="0">
-            <a:schemeClr val="accent6"/>
-          </a:fillRef>
-          <a:effectRef idx="1">
-            <a:schemeClr val="accent6"/>
-          </a:effectRef>
-          <a:fontRef idx="minor">
-            <a:schemeClr val="tx1"/>
-          </a:fontRef>
-        </p:style>
-      </p:cxnSp>
       <p:sp>
         <p:nvSpPr>
           <p:cNvPr id="2" name="Title 1"/>
@@ -8640,349 +8460,564 @@
           </a:p>
         </p:txBody>
       </p:sp>
-      <p:sp>
-        <p:nvSpPr>
-          <p:cNvPr id="5" name="모서리가 둥근 직사각형 4"/>
-          <p:cNvSpPr/>
+      <p:grpSp>
+        <p:nvGrpSpPr>
+          <p:cNvPr id="21" name="그룹 20"/>
+          <p:cNvGrpSpPr/>
           <p:nvPr/>
-        </p:nvSpPr>
-        <p:spPr>
-          <a:xfrm>
-            <a:off x="2071670" y="4214818"/>
-            <a:ext cx="1941815" cy="1857388"/>
-          </a:xfrm>
-          <a:prstGeom prst="roundRect">
-            <a:avLst/>
-          </a:prstGeom>
-        </p:spPr>
-        <p:style>
-          <a:lnRef idx="2">
-            <a:schemeClr val="accent6"/>
-          </a:lnRef>
-          <a:fillRef idx="1">
-            <a:schemeClr val="lt1"/>
-          </a:fillRef>
-          <a:effectRef idx="0">
-            <a:schemeClr val="accent6"/>
-          </a:effectRef>
-          <a:fontRef idx="minor">
-            <a:schemeClr val="dk1"/>
-          </a:fontRef>
-        </p:style>
-        <p:txBody>
-          <a:bodyPr rtlCol="0" anchor="ctr"/>
-          <a:lstStyle/>
-          <a:p>
-            <a:pPr algn="ctr"/>
-            <a:r>
-              <a:rPr lang="en-US" altLang="ko-KR" sz="2400" dirty="0" smtClean="0"/>
-              <a:t>Web</a:t>
-            </a:r>
-          </a:p>
-          <a:p>
-            <a:pPr algn="ctr"/>
-            <a:r>
-              <a:rPr lang="en-US" altLang="ko-KR" sz="2400" dirty="0" smtClean="0"/>
-              <a:t>Server</a:t>
-            </a:r>
-          </a:p>
-          <a:p>
-            <a:pPr algn="ctr"/>
-            <a:r>
-              <a:rPr lang="en-US" altLang="ko-KR" sz="2400" dirty="0" smtClean="0"/>
-              <a:t>[</a:t>
-            </a:r>
-            <a:r>
-              <a:rPr lang="en-US" altLang="ko-KR" sz="2400" dirty="0" err="1" smtClean="0"/>
-              <a:t>Windows7</a:t>
-            </a:r>
-            <a:r>
-              <a:rPr lang="en-US" altLang="ko-KR" sz="2400" dirty="0" smtClean="0"/>
-              <a:t>]</a:t>
-            </a:r>
-            <a:endParaRPr lang="ko-KR" altLang="en-US" sz="2400" dirty="0"/>
-          </a:p>
-        </p:txBody>
-      </p:sp>
-      <p:sp>
-        <p:nvSpPr>
-          <p:cNvPr id="6" name="모서리가 둥근 직사각형 5"/>
-          <p:cNvSpPr/>
-          <p:nvPr/>
-        </p:nvSpPr>
-        <p:spPr>
-          <a:xfrm>
-            <a:off x="2357422" y="2714620"/>
-            <a:ext cx="1357322" cy="1298308"/>
-          </a:xfrm>
-          <a:prstGeom prst="roundRect">
-            <a:avLst/>
-          </a:prstGeom>
-          <a:ln>
-            <a:solidFill>
-              <a:schemeClr val="tx2">
-                <a:lumMod val="60000"/>
-                <a:lumOff val="40000"/>
-              </a:schemeClr>
-            </a:solidFill>
-          </a:ln>
-        </p:spPr>
-        <p:style>
-          <a:lnRef idx="2">
-            <a:schemeClr val="accent6"/>
-          </a:lnRef>
-          <a:fillRef idx="1">
-            <a:schemeClr val="lt1"/>
-          </a:fillRef>
-          <a:effectRef idx="0">
-            <a:schemeClr val="accent6"/>
-          </a:effectRef>
-          <a:fontRef idx="minor">
-            <a:schemeClr val="dk1"/>
-          </a:fontRef>
-        </p:style>
-        <p:txBody>
-          <a:bodyPr rtlCol="0" anchor="ctr"/>
-          <a:lstStyle/>
-          <a:p>
-            <a:pPr algn="ctr"/>
-            <a:r>
-              <a:rPr lang="en-US" altLang="ko-KR" dirty="0" err="1" smtClean="0"/>
-              <a:t>VM</a:t>
-            </a:r>
-            <a:endParaRPr lang="en-US" altLang="ko-KR" dirty="0" smtClean="0"/>
-          </a:p>
-          <a:p>
-            <a:pPr algn="ctr"/>
-            <a:r>
-              <a:rPr lang="en-US" altLang="ko-KR" dirty="0" smtClean="0"/>
-              <a:t>[Linux]</a:t>
-            </a:r>
-            <a:endParaRPr lang="ko-KR" altLang="en-US" dirty="0"/>
-          </a:p>
-        </p:txBody>
-      </p:sp>
-      <p:sp>
-        <p:nvSpPr>
-          <p:cNvPr id="7" name="모서리가 둥근 직사각형 6"/>
-          <p:cNvSpPr/>
-          <p:nvPr/>
-        </p:nvSpPr>
-        <p:spPr>
-          <a:xfrm>
-            <a:off x="4000496" y="2857496"/>
-            <a:ext cx="1000132" cy="956648"/>
-          </a:xfrm>
-          <a:prstGeom prst="roundRect">
-            <a:avLst/>
-          </a:prstGeom>
-          <a:ln>
-            <a:solidFill>
-              <a:schemeClr val="tx2"/>
-            </a:solidFill>
-          </a:ln>
-        </p:spPr>
-        <p:style>
-          <a:lnRef idx="2">
-            <a:schemeClr val="accent6"/>
-          </a:lnRef>
-          <a:fillRef idx="1">
-            <a:schemeClr val="lt1"/>
-          </a:fillRef>
-          <a:effectRef idx="0">
-            <a:schemeClr val="accent6"/>
-          </a:effectRef>
-          <a:fontRef idx="minor">
-            <a:schemeClr val="dk1"/>
-          </a:fontRef>
-        </p:style>
-        <p:txBody>
-          <a:bodyPr rtlCol="0" anchor="ctr"/>
-          <a:lstStyle/>
-          <a:p>
-            <a:pPr algn="ctr"/>
-            <a:r>
-              <a:rPr lang="en-US" altLang="ko-KR" sz="1400" dirty="0" smtClean="0"/>
-              <a:t>Spring</a:t>
-            </a:r>
-          </a:p>
-          <a:p>
-            <a:pPr algn="ctr"/>
-            <a:r>
-              <a:rPr lang="en-US" altLang="ko-KR" sz="1400" dirty="0" smtClean="0"/>
-              <a:t>Project</a:t>
-            </a:r>
-            <a:endParaRPr lang="ko-KR" altLang="en-US" sz="1400" dirty="0"/>
-          </a:p>
-        </p:txBody>
-      </p:sp>
-      <p:sp>
-        <p:nvSpPr>
-          <p:cNvPr id="14" name="모서리가 둥근 직사각형 13"/>
-          <p:cNvSpPr/>
-          <p:nvPr/>
-        </p:nvSpPr>
-        <p:spPr>
-          <a:xfrm>
-            <a:off x="5715008" y="4500570"/>
-            <a:ext cx="1357322" cy="1298308"/>
-          </a:xfrm>
-          <a:prstGeom prst="roundRect">
-            <a:avLst/>
-          </a:prstGeom>
-        </p:spPr>
-        <p:style>
-          <a:lnRef idx="2">
-            <a:schemeClr val="accent6"/>
-          </a:lnRef>
-          <a:fillRef idx="1">
-            <a:schemeClr val="lt1"/>
-          </a:fillRef>
-          <a:effectRef idx="0">
-            <a:schemeClr val="accent6"/>
-          </a:effectRef>
-          <a:fontRef idx="minor">
-            <a:schemeClr val="dk1"/>
-          </a:fontRef>
-        </p:style>
-        <p:txBody>
-          <a:bodyPr rtlCol="0" anchor="ctr"/>
-          <a:lstStyle/>
-          <a:p>
-            <a:pPr algn="ctr"/>
-            <a:r>
-              <a:rPr lang="en-US" altLang="ko-KR" dirty="0" smtClean="0"/>
-              <a:t>Client</a:t>
-            </a:r>
-            <a:endParaRPr lang="ko-KR" altLang="en-US" dirty="0"/>
-          </a:p>
-        </p:txBody>
-      </p:sp>
-      <p:sp>
-        <p:nvSpPr>
-          <p:cNvPr id="15" name="모서리가 둥근 직사각형 14"/>
-          <p:cNvSpPr/>
-          <p:nvPr/>
-        </p:nvSpPr>
-        <p:spPr>
-          <a:xfrm>
-            <a:off x="4357686" y="4643446"/>
-            <a:ext cx="1000132" cy="956648"/>
-          </a:xfrm>
-          <a:prstGeom prst="roundRect">
-            <a:avLst/>
-          </a:prstGeom>
-          <a:ln>
-            <a:solidFill>
-              <a:schemeClr val="accent3">
-                <a:lumMod val="50000"/>
-              </a:schemeClr>
-            </a:solidFill>
-          </a:ln>
-        </p:spPr>
-        <p:style>
-          <a:lnRef idx="2">
-            <a:schemeClr val="accent6"/>
-          </a:lnRef>
-          <a:fillRef idx="1">
-            <a:schemeClr val="lt1"/>
-          </a:fillRef>
-          <a:effectRef idx="0">
-            <a:schemeClr val="accent6"/>
-          </a:effectRef>
-          <a:fontRef idx="minor">
-            <a:schemeClr val="dk1"/>
-          </a:fontRef>
-        </p:style>
-        <p:txBody>
-          <a:bodyPr rtlCol="0" anchor="ctr"/>
-          <a:lstStyle/>
-          <a:p>
-            <a:pPr algn="ctr"/>
-            <a:r>
-              <a:rPr lang="en-US" altLang="ko-KR" sz="1400" dirty="0" smtClean="0"/>
-              <a:t>Web</a:t>
-            </a:r>
-          </a:p>
-          <a:p>
-            <a:pPr algn="ctr"/>
-            <a:r>
-              <a:rPr lang="en-US" altLang="ko-KR" sz="1400" dirty="0" smtClean="0"/>
-              <a:t>Browser</a:t>
-            </a:r>
-            <a:endParaRPr lang="ko-KR" altLang="en-US" sz="1400" dirty="0"/>
-          </a:p>
-        </p:txBody>
-      </p:sp>
-      <p:sp>
-        <p:nvSpPr>
-          <p:cNvPr id="18" name="모서리가 둥근 직사각형 17"/>
-          <p:cNvSpPr/>
-          <p:nvPr/>
-        </p:nvSpPr>
-        <p:spPr>
-          <a:xfrm>
-            <a:off x="2357422" y="1201998"/>
-            <a:ext cx="1357322" cy="1298308"/>
-          </a:xfrm>
-          <a:prstGeom prst="roundRect">
-            <a:avLst/>
-          </a:prstGeom>
-          <a:ln>
-            <a:solidFill>
-              <a:schemeClr val="accent2">
-                <a:lumMod val="60000"/>
-                <a:lumOff val="40000"/>
-              </a:schemeClr>
-            </a:solidFill>
-          </a:ln>
-        </p:spPr>
-        <p:style>
-          <a:lnRef idx="2">
-            <a:schemeClr val="accent6"/>
-          </a:lnRef>
-          <a:fillRef idx="1">
-            <a:schemeClr val="lt1"/>
-          </a:fillRef>
-          <a:effectRef idx="0">
-            <a:schemeClr val="accent6"/>
-          </a:effectRef>
-          <a:fontRef idx="minor">
-            <a:schemeClr val="dk1"/>
-          </a:fontRef>
-        </p:style>
-        <p:txBody>
-          <a:bodyPr rtlCol="0" anchor="ctr"/>
-          <a:lstStyle/>
-          <a:p>
-            <a:pPr algn="ctr"/>
-            <a:r>
-              <a:rPr lang="en-US" altLang="ko-KR" dirty="0" smtClean="0"/>
-              <a:t>Amazon</a:t>
-            </a:r>
-          </a:p>
-          <a:p>
-            <a:pPr algn="ctr"/>
-            <a:r>
-              <a:rPr lang="en-US" altLang="ko-KR" dirty="0" err="1" smtClean="0"/>
-              <a:t>RDS</a:t>
-            </a:r>
-            <a:endParaRPr lang="en-US" altLang="ko-KR" dirty="0" smtClean="0"/>
-          </a:p>
-          <a:p>
-            <a:pPr algn="ctr"/>
-            <a:r>
-              <a:rPr lang="en-US" altLang="ko-KR" dirty="0" smtClean="0"/>
-              <a:t>[Oracle]</a:t>
-            </a:r>
-            <a:endParaRPr lang="ko-KR" altLang="en-US" dirty="0"/>
-          </a:p>
-        </p:txBody>
-      </p:sp>
+        </p:nvGrpSpPr>
+        <p:grpSpPr>
+          <a:xfrm>
+            <a:off x="1714480" y="1201998"/>
+            <a:ext cx="5000660" cy="4870208"/>
+            <a:chOff x="2071670" y="1201998"/>
+            <a:chExt cx="5000660" cy="4870208"/>
+          </a:xfrm>
+        </p:grpSpPr>
+        <p:cxnSp>
+          <p:nvCxnSpPr>
+            <p:cNvPr id="16" name="직선 연결선 15"/>
+            <p:cNvCxnSpPr/>
+            <p:nvPr/>
+          </p:nvCxnSpPr>
+          <p:spPr>
+            <a:xfrm>
+              <a:off x="4000496" y="5143512"/>
+              <a:ext cx="428628" cy="1588"/>
+            </a:xfrm>
+            <a:prstGeom prst="line">
+              <a:avLst/>
+            </a:prstGeom>
+            <a:ln>
+              <a:solidFill>
+                <a:schemeClr val="accent3">
+                  <a:lumMod val="50000"/>
+                </a:schemeClr>
+              </a:solidFill>
+            </a:ln>
+          </p:spPr>
+          <p:style>
+            <a:lnRef idx="2">
+              <a:schemeClr val="accent6"/>
+            </a:lnRef>
+            <a:fillRef idx="0">
+              <a:schemeClr val="accent6"/>
+            </a:fillRef>
+            <a:effectRef idx="1">
+              <a:schemeClr val="accent6"/>
+            </a:effectRef>
+            <a:fontRef idx="minor">
+              <a:schemeClr val="tx1"/>
+            </a:fontRef>
+          </p:style>
+        </p:cxnSp>
+        <p:cxnSp>
+          <p:nvCxnSpPr>
+            <p:cNvPr id="13" name="직선 연결선 12"/>
+            <p:cNvCxnSpPr/>
+            <p:nvPr/>
+          </p:nvCxnSpPr>
+          <p:spPr>
+            <a:xfrm>
+              <a:off x="3643306" y="3357562"/>
+              <a:ext cx="428628" cy="1588"/>
+            </a:xfrm>
+            <a:prstGeom prst="line">
+              <a:avLst/>
+            </a:prstGeom>
+            <a:ln>
+              <a:solidFill>
+                <a:schemeClr val="tx2"/>
+              </a:solidFill>
+            </a:ln>
+          </p:spPr>
+          <p:style>
+            <a:lnRef idx="2">
+              <a:schemeClr val="accent6"/>
+            </a:lnRef>
+            <a:fillRef idx="0">
+              <a:schemeClr val="accent6"/>
+            </a:fillRef>
+            <a:effectRef idx="1">
+              <a:schemeClr val="accent6"/>
+            </a:effectRef>
+            <a:fontRef idx="minor">
+              <a:schemeClr val="tx1"/>
+            </a:fontRef>
+          </p:style>
+        </p:cxnSp>
+        <p:cxnSp>
+          <p:nvCxnSpPr>
+            <p:cNvPr id="11" name="직선 연결선 10"/>
+            <p:cNvCxnSpPr/>
+            <p:nvPr/>
+          </p:nvCxnSpPr>
+          <p:spPr>
+            <a:xfrm rot="5400000">
+              <a:off x="2786844" y="4071148"/>
+              <a:ext cx="571504" cy="1588"/>
+            </a:xfrm>
+            <a:prstGeom prst="line">
+              <a:avLst/>
+            </a:prstGeom>
+            <a:ln>
+              <a:solidFill>
+                <a:schemeClr val="tx2">
+                  <a:lumMod val="60000"/>
+                  <a:lumOff val="40000"/>
+                </a:schemeClr>
+              </a:solidFill>
+            </a:ln>
+          </p:spPr>
+          <p:style>
+            <a:lnRef idx="2">
+              <a:schemeClr val="accent6"/>
+            </a:lnRef>
+            <a:fillRef idx="0">
+              <a:schemeClr val="accent6"/>
+            </a:fillRef>
+            <a:effectRef idx="1">
+              <a:schemeClr val="accent6"/>
+            </a:effectRef>
+            <a:fontRef idx="minor">
+              <a:schemeClr val="tx1"/>
+            </a:fontRef>
+          </p:style>
+        </p:cxnSp>
+        <p:grpSp>
+          <p:nvGrpSpPr>
+            <p:cNvPr id="20" name="그룹 19"/>
+            <p:cNvGrpSpPr/>
+            <p:nvPr/>
+          </p:nvGrpSpPr>
+          <p:grpSpPr>
+            <a:xfrm>
+              <a:off x="2071670" y="1201998"/>
+              <a:ext cx="5000660" cy="4870208"/>
+              <a:chOff x="2071670" y="1201998"/>
+              <a:chExt cx="5000660" cy="4870208"/>
+            </a:xfrm>
+          </p:grpSpPr>
+          <p:cxnSp>
+            <p:nvCxnSpPr>
+              <p:cNvPr id="19" name="직선 연결선 18"/>
+              <p:cNvCxnSpPr/>
+              <p:nvPr/>
+            </p:nvCxnSpPr>
+            <p:spPr>
+              <a:xfrm rot="5400000">
+                <a:off x="2786844" y="2570950"/>
+                <a:ext cx="571504" cy="1588"/>
+              </a:xfrm>
+              <a:prstGeom prst="line">
+                <a:avLst/>
+              </a:prstGeom>
+              <a:ln>
+                <a:solidFill>
+                  <a:schemeClr val="accent2">
+                    <a:lumMod val="60000"/>
+                    <a:lumOff val="40000"/>
+                  </a:schemeClr>
+                </a:solidFill>
+              </a:ln>
+            </p:spPr>
+            <p:style>
+              <a:lnRef idx="2">
+                <a:schemeClr val="accent6"/>
+              </a:lnRef>
+              <a:fillRef idx="0">
+                <a:schemeClr val="accent6"/>
+              </a:fillRef>
+              <a:effectRef idx="1">
+                <a:schemeClr val="accent6"/>
+              </a:effectRef>
+              <a:fontRef idx="minor">
+                <a:schemeClr val="tx1"/>
+              </a:fontRef>
+            </p:style>
+          </p:cxnSp>
+          <p:cxnSp>
+            <p:nvCxnSpPr>
+              <p:cNvPr id="17" name="직선 연결선 16"/>
+              <p:cNvCxnSpPr/>
+              <p:nvPr/>
+            </p:nvCxnSpPr>
+            <p:spPr>
+              <a:xfrm>
+                <a:off x="5357818" y="5143512"/>
+                <a:ext cx="428628" cy="1588"/>
+              </a:xfrm>
+              <a:prstGeom prst="line">
+                <a:avLst/>
+              </a:prstGeom>
+              <a:ln>
+                <a:solidFill>
+                  <a:schemeClr val="accent3">
+                    <a:lumMod val="50000"/>
+                  </a:schemeClr>
+                </a:solidFill>
+              </a:ln>
+            </p:spPr>
+            <p:style>
+              <a:lnRef idx="2">
+                <a:schemeClr val="accent6"/>
+              </a:lnRef>
+              <a:fillRef idx="0">
+                <a:schemeClr val="accent6"/>
+              </a:fillRef>
+              <a:effectRef idx="1">
+                <a:schemeClr val="accent6"/>
+              </a:effectRef>
+              <a:fontRef idx="minor">
+                <a:schemeClr val="tx1"/>
+              </a:fontRef>
+            </p:style>
+          </p:cxnSp>
+          <p:sp>
+            <p:nvSpPr>
+              <p:cNvPr id="5" name="모서리가 둥근 직사각형 4"/>
+              <p:cNvSpPr/>
+              <p:nvPr/>
+            </p:nvSpPr>
+            <p:spPr>
+              <a:xfrm>
+                <a:off x="2071670" y="4214818"/>
+                <a:ext cx="1941815" cy="1857388"/>
+              </a:xfrm>
+              <a:prstGeom prst="roundRect">
+                <a:avLst/>
+              </a:prstGeom>
+            </p:spPr>
+            <p:style>
+              <a:lnRef idx="2">
+                <a:schemeClr val="accent6"/>
+              </a:lnRef>
+              <a:fillRef idx="1">
+                <a:schemeClr val="lt1"/>
+              </a:fillRef>
+              <a:effectRef idx="0">
+                <a:schemeClr val="accent6"/>
+              </a:effectRef>
+              <a:fontRef idx="minor">
+                <a:schemeClr val="dk1"/>
+              </a:fontRef>
+            </p:style>
+            <p:txBody>
+              <a:bodyPr rtlCol="0" anchor="ctr"/>
+              <a:lstStyle/>
+              <a:p>
+                <a:pPr algn="ctr"/>
+                <a:r>
+                  <a:rPr lang="en-US" altLang="ko-KR" sz="2400" dirty="0" smtClean="0"/>
+                  <a:t>Web</a:t>
+                </a:r>
+              </a:p>
+              <a:p>
+                <a:pPr algn="ctr"/>
+                <a:r>
+                  <a:rPr lang="en-US" altLang="ko-KR" sz="2400" dirty="0" smtClean="0"/>
+                  <a:t>Server</a:t>
+                </a:r>
+              </a:p>
+              <a:p>
+                <a:pPr algn="ctr"/>
+                <a:r>
+                  <a:rPr lang="en-US" altLang="ko-KR" sz="2400" dirty="0" smtClean="0"/>
+                  <a:t>[</a:t>
+                </a:r>
+                <a:r>
+                  <a:rPr lang="en-US" altLang="ko-KR" sz="2400" dirty="0" err="1" smtClean="0"/>
+                  <a:t>Windows7</a:t>
+                </a:r>
+                <a:r>
+                  <a:rPr lang="en-US" altLang="ko-KR" sz="2400" dirty="0" smtClean="0"/>
+                  <a:t>]</a:t>
+                </a:r>
+                <a:endParaRPr lang="ko-KR" altLang="en-US" sz="2400" dirty="0"/>
+              </a:p>
+            </p:txBody>
+          </p:sp>
+          <p:sp>
+            <p:nvSpPr>
+              <p:cNvPr id="6" name="모서리가 둥근 직사각형 5"/>
+              <p:cNvSpPr/>
+              <p:nvPr/>
+            </p:nvSpPr>
+            <p:spPr>
+              <a:xfrm>
+                <a:off x="2357422" y="2714620"/>
+                <a:ext cx="1357322" cy="1298308"/>
+              </a:xfrm>
+              <a:prstGeom prst="roundRect">
+                <a:avLst/>
+              </a:prstGeom>
+              <a:ln>
+                <a:solidFill>
+                  <a:schemeClr val="tx2">
+                    <a:lumMod val="60000"/>
+                    <a:lumOff val="40000"/>
+                  </a:schemeClr>
+                </a:solidFill>
+              </a:ln>
+            </p:spPr>
+            <p:style>
+              <a:lnRef idx="2">
+                <a:schemeClr val="accent6"/>
+              </a:lnRef>
+              <a:fillRef idx="1">
+                <a:schemeClr val="lt1"/>
+              </a:fillRef>
+              <a:effectRef idx="0">
+                <a:schemeClr val="accent6"/>
+              </a:effectRef>
+              <a:fontRef idx="minor">
+                <a:schemeClr val="dk1"/>
+              </a:fontRef>
+            </p:style>
+            <p:txBody>
+              <a:bodyPr rtlCol="0" anchor="ctr"/>
+              <a:lstStyle/>
+              <a:p>
+                <a:pPr algn="ctr"/>
+                <a:r>
+                  <a:rPr lang="en-US" altLang="ko-KR" dirty="0" err="1" smtClean="0"/>
+                  <a:t>VM</a:t>
+                </a:r>
+                <a:endParaRPr lang="en-US" altLang="ko-KR" dirty="0" smtClean="0"/>
+              </a:p>
+              <a:p>
+                <a:pPr algn="ctr"/>
+                <a:r>
+                  <a:rPr lang="en-US" altLang="ko-KR" dirty="0" smtClean="0"/>
+                  <a:t>[Linux]</a:t>
+                </a:r>
+                <a:endParaRPr lang="ko-KR" altLang="en-US" dirty="0"/>
+              </a:p>
+            </p:txBody>
+          </p:sp>
+          <p:sp>
+            <p:nvSpPr>
+              <p:cNvPr id="7" name="모서리가 둥근 직사각형 6"/>
+              <p:cNvSpPr/>
+              <p:nvPr/>
+            </p:nvSpPr>
+            <p:spPr>
+              <a:xfrm>
+                <a:off x="4000496" y="2857496"/>
+                <a:ext cx="1000132" cy="956648"/>
+              </a:xfrm>
+              <a:prstGeom prst="roundRect">
+                <a:avLst/>
+              </a:prstGeom>
+              <a:ln>
+                <a:solidFill>
+                  <a:schemeClr val="tx2"/>
+                </a:solidFill>
+              </a:ln>
+            </p:spPr>
+            <p:style>
+              <a:lnRef idx="2">
+                <a:schemeClr val="accent6"/>
+              </a:lnRef>
+              <a:fillRef idx="1">
+                <a:schemeClr val="lt1"/>
+              </a:fillRef>
+              <a:effectRef idx="0">
+                <a:schemeClr val="accent6"/>
+              </a:effectRef>
+              <a:fontRef idx="minor">
+                <a:schemeClr val="dk1"/>
+              </a:fontRef>
+            </p:style>
+            <p:txBody>
+              <a:bodyPr rtlCol="0" anchor="ctr"/>
+              <a:lstStyle/>
+              <a:p>
+                <a:pPr algn="ctr"/>
+                <a:r>
+                  <a:rPr lang="en-US" altLang="ko-KR" sz="1400" dirty="0" smtClean="0"/>
+                  <a:t>Spring</a:t>
+                </a:r>
+              </a:p>
+              <a:p>
+                <a:pPr algn="ctr"/>
+                <a:r>
+                  <a:rPr lang="en-US" altLang="ko-KR" sz="1400" dirty="0" smtClean="0"/>
+                  <a:t>Project</a:t>
+                </a:r>
+                <a:endParaRPr lang="ko-KR" altLang="en-US" sz="1400" dirty="0"/>
+              </a:p>
+            </p:txBody>
+          </p:sp>
+          <p:sp>
+            <p:nvSpPr>
+              <p:cNvPr id="14" name="모서리가 둥근 직사각형 13"/>
+              <p:cNvSpPr/>
+              <p:nvPr/>
+            </p:nvSpPr>
+            <p:spPr>
+              <a:xfrm>
+                <a:off x="5715008" y="4500570"/>
+                <a:ext cx="1357322" cy="1298308"/>
+              </a:xfrm>
+              <a:prstGeom prst="roundRect">
+                <a:avLst/>
+              </a:prstGeom>
+            </p:spPr>
+            <p:style>
+              <a:lnRef idx="2">
+                <a:schemeClr val="accent6"/>
+              </a:lnRef>
+              <a:fillRef idx="1">
+                <a:schemeClr val="lt1"/>
+              </a:fillRef>
+              <a:effectRef idx="0">
+                <a:schemeClr val="accent6"/>
+              </a:effectRef>
+              <a:fontRef idx="minor">
+                <a:schemeClr val="dk1"/>
+              </a:fontRef>
+            </p:style>
+            <p:txBody>
+              <a:bodyPr rtlCol="0" anchor="ctr"/>
+              <a:lstStyle/>
+              <a:p>
+                <a:pPr algn="ctr"/>
+                <a:r>
+                  <a:rPr lang="en-US" altLang="ko-KR" dirty="0" smtClean="0"/>
+                  <a:t>Client</a:t>
+                </a:r>
+                <a:endParaRPr lang="ko-KR" altLang="en-US" dirty="0"/>
+              </a:p>
+            </p:txBody>
+          </p:sp>
+          <p:sp>
+            <p:nvSpPr>
+              <p:cNvPr id="15" name="모서리가 둥근 직사각형 14"/>
+              <p:cNvSpPr/>
+              <p:nvPr/>
+            </p:nvSpPr>
+            <p:spPr>
+              <a:xfrm>
+                <a:off x="4357686" y="4643446"/>
+                <a:ext cx="1000132" cy="956648"/>
+              </a:xfrm>
+              <a:prstGeom prst="roundRect">
+                <a:avLst/>
+              </a:prstGeom>
+              <a:ln>
+                <a:solidFill>
+                  <a:schemeClr val="accent3">
+                    <a:lumMod val="50000"/>
+                  </a:schemeClr>
+                </a:solidFill>
+              </a:ln>
+            </p:spPr>
+            <p:style>
+              <a:lnRef idx="2">
+                <a:schemeClr val="accent6"/>
+              </a:lnRef>
+              <a:fillRef idx="1">
+                <a:schemeClr val="lt1"/>
+              </a:fillRef>
+              <a:effectRef idx="0">
+                <a:schemeClr val="accent6"/>
+              </a:effectRef>
+              <a:fontRef idx="minor">
+                <a:schemeClr val="dk1"/>
+              </a:fontRef>
+            </p:style>
+            <p:txBody>
+              <a:bodyPr rtlCol="0" anchor="ctr"/>
+              <a:lstStyle/>
+              <a:p>
+                <a:pPr algn="ctr"/>
+                <a:r>
+                  <a:rPr lang="en-US" altLang="ko-KR" sz="1400" dirty="0" smtClean="0"/>
+                  <a:t>Web</a:t>
+                </a:r>
+              </a:p>
+              <a:p>
+                <a:pPr algn="ctr"/>
+                <a:r>
+                  <a:rPr lang="en-US" altLang="ko-KR" sz="1400" dirty="0" smtClean="0"/>
+                  <a:t>Browser</a:t>
+                </a:r>
+                <a:endParaRPr lang="ko-KR" altLang="en-US" sz="1400" dirty="0"/>
+              </a:p>
+            </p:txBody>
+          </p:sp>
+          <p:sp>
+            <p:nvSpPr>
+              <p:cNvPr id="18" name="모서리가 둥근 직사각형 17"/>
+              <p:cNvSpPr/>
+              <p:nvPr/>
+            </p:nvSpPr>
+            <p:spPr>
+              <a:xfrm>
+                <a:off x="2357422" y="1201998"/>
+                <a:ext cx="1357322" cy="1298308"/>
+              </a:xfrm>
+              <a:prstGeom prst="roundRect">
+                <a:avLst/>
+              </a:prstGeom>
+              <a:ln>
+                <a:solidFill>
+                  <a:schemeClr val="accent2">
+                    <a:lumMod val="60000"/>
+                    <a:lumOff val="40000"/>
+                  </a:schemeClr>
+                </a:solidFill>
+              </a:ln>
+            </p:spPr>
+            <p:style>
+              <a:lnRef idx="2">
+                <a:schemeClr val="accent6"/>
+              </a:lnRef>
+              <a:fillRef idx="1">
+                <a:schemeClr val="lt1"/>
+              </a:fillRef>
+              <a:effectRef idx="0">
+                <a:schemeClr val="accent6"/>
+              </a:effectRef>
+              <a:fontRef idx="minor">
+                <a:schemeClr val="dk1"/>
+              </a:fontRef>
+            </p:style>
+            <p:txBody>
+              <a:bodyPr rtlCol="0" anchor="ctr"/>
+              <a:lstStyle/>
+              <a:p>
+                <a:pPr algn="ctr"/>
+                <a:r>
+                  <a:rPr lang="en-US" altLang="ko-KR" dirty="0" smtClean="0"/>
+                  <a:t>Amazon</a:t>
+                </a:r>
+              </a:p>
+              <a:p>
+                <a:pPr algn="ctr"/>
+                <a:r>
+                  <a:rPr lang="en-US" altLang="ko-KR" dirty="0" err="1" smtClean="0"/>
+                  <a:t>RDS</a:t>
+                </a:r>
+                <a:endParaRPr lang="en-US" altLang="ko-KR" dirty="0" smtClean="0"/>
+              </a:p>
+              <a:p>
+                <a:pPr algn="ctr"/>
+                <a:r>
+                  <a:rPr lang="en-US" altLang="ko-KR" dirty="0" smtClean="0"/>
+                  <a:t>[Oracle]</a:t>
+                </a:r>
+                <a:endParaRPr lang="ko-KR" altLang="en-US" dirty="0"/>
+              </a:p>
+            </p:txBody>
+          </p:sp>
+        </p:grpSp>
+      </p:grpSp>
     </p:spTree>
     <p:extLst>
       <p:ext uri="{BB962C8B-B14F-4D97-AF65-F5344CB8AC3E}">
-        <p14:creationId xmlns="" xmlns:p14="http://schemas.microsoft.com/office/powerpoint/2010/main" val="891763176"/>
+        <p14:creationId xmlns:p14="http://schemas.microsoft.com/office/powerpoint/2010/main" xmlns="" val="891763176"/>
       </p:ext>
     </p:extLst>
   </p:cSld>
@@ -9150,7 +9185,7 @@
     </p:spTree>
     <p:extLst>
       <p:ext uri="{BB962C8B-B14F-4D97-AF65-F5344CB8AC3E}">
-        <p14:creationId xmlns="" xmlns:p14="http://schemas.microsoft.com/office/powerpoint/2010/main" val="891763176"/>
+        <p14:creationId xmlns:p14="http://schemas.microsoft.com/office/powerpoint/2010/main" xmlns="" val="891763176"/>
       </p:ext>
     </p:extLst>
   </p:cSld>
@@ -9318,7 +9353,7 @@
     </p:spTree>
     <p:extLst>
       <p:ext uri="{BB962C8B-B14F-4D97-AF65-F5344CB8AC3E}">
-        <p14:creationId xmlns="" xmlns:p14="http://schemas.microsoft.com/office/powerpoint/2010/main" val="891763176"/>
+        <p14:creationId xmlns:p14="http://schemas.microsoft.com/office/powerpoint/2010/main" xmlns="" val="891763176"/>
       </p:ext>
     </p:extLst>
   </p:cSld>
@@ -9772,7 +9807,7 @@
     </p:spTree>
     <p:extLst>
       <p:ext uri="{BB962C8B-B14F-4D97-AF65-F5344CB8AC3E}">
-        <p14:creationId xmlns="" xmlns:p14="http://schemas.microsoft.com/office/powerpoint/2010/main" val="891763176"/>
+        <p14:creationId xmlns:p14="http://schemas.microsoft.com/office/powerpoint/2010/main" xmlns="" val="891763176"/>
       </p:ext>
     </p:extLst>
   </p:cSld>
@@ -9987,7 +10022,7 @@
     </p:spTree>
     <p:extLst>
       <p:ext uri="{BB962C8B-B14F-4D97-AF65-F5344CB8AC3E}">
-        <p14:creationId xmlns="" xmlns:p14="http://schemas.microsoft.com/office/powerpoint/2010/main" val="891763176"/>
+        <p14:creationId xmlns:p14="http://schemas.microsoft.com/office/powerpoint/2010/main" xmlns="" val="891763176"/>
       </p:ext>
     </p:extLst>
   </p:cSld>
@@ -10470,7 +10505,7 @@
     </p:spTree>
     <p:extLst>
       <p:ext uri="{BB962C8B-B14F-4D97-AF65-F5344CB8AC3E}">
-        <p14:creationId xmlns="" xmlns:p14="http://schemas.microsoft.com/office/powerpoint/2010/main" val="891763176"/>
+        <p14:creationId xmlns:p14="http://schemas.microsoft.com/office/powerpoint/2010/main" xmlns="" val="891763176"/>
       </p:ext>
     </p:extLst>
   </p:cSld>
